--- a/福井技術者の集い_その2_発表資料スライド.pptx
+++ b/福井技術者の集い_その2_発表資料スライド.pptx
@@ -232,7 +232,7 @@
           <a:p>
             <a:fld id="{132713B8-E49A-41D1-88B6-B310770581C8}" type="datetimeFigureOut">
               <a:rPr kumimoji="1" lang="ja-JP" altLang="en-US" smtClean="0"/>
-              <a:t>2015/2/16</a:t>
+              <a:t>2015/2/23</a:t>
             </a:fld>
             <a:endParaRPr kumimoji="1" lang="ja-JP" altLang="en-US"/>
           </a:p>
@@ -836,7 +836,7 @@
             <a:fld id="{C120A1B4-3412-4C96-ACAA-DBDB2A910CC9}" type="datetimeFigureOut">
               <a:rPr kumimoji="1" lang="ja-JP" altLang="en-US" smtClean="0"/>
               <a:pPr/>
-              <a:t>2015/2/16</a:t>
+              <a:t>2015/2/23</a:t>
             </a:fld>
             <a:endParaRPr kumimoji="1" lang="ja-JP" altLang="en-US"/>
           </a:p>
@@ -1082,7 +1082,7 @@
                 </a:solidFill>
               </a:rPr>
               <a:pPr/>
-              <a:t>2015/2/16</a:t>
+              <a:t>2015/2/23</a:t>
             </a:fld>
             <a:endParaRPr kumimoji="1" lang="ja-JP" altLang="en-US">
               <a:solidFill>
@@ -1318,7 +1318,7 @@
                 </a:solidFill>
               </a:rPr>
               <a:pPr/>
-              <a:t>2015/2/16</a:t>
+              <a:t>2015/2/23</a:t>
             </a:fld>
             <a:endParaRPr kumimoji="1" lang="ja-JP" altLang="en-US">
               <a:solidFill>
@@ -1612,7 +1612,7 @@
                 </a:solidFill>
               </a:rPr>
               <a:pPr/>
-              <a:t>2015/2/16</a:t>
+              <a:t>2015/2/23</a:t>
             </a:fld>
             <a:endParaRPr kumimoji="1" lang="ja-JP" altLang="en-US">
               <a:solidFill>
@@ -2091,7 +2091,7 @@
                 </a:solidFill>
               </a:rPr>
               <a:pPr/>
-              <a:t>2015/2/16</a:t>
+              <a:t>2015/2/23</a:t>
             </a:fld>
             <a:endParaRPr kumimoji="1" lang="ja-JP" altLang="en-US">
               <a:solidFill>
@@ -2416,7 +2416,7 @@
                 </a:solidFill>
               </a:rPr>
               <a:pPr/>
-              <a:t>2015/2/16</a:t>
+              <a:t>2015/2/23</a:t>
             </a:fld>
             <a:endParaRPr kumimoji="1" lang="ja-JP" altLang="en-US">
               <a:solidFill>
@@ -2735,7 +2735,7 @@
                 </a:solidFill>
               </a:rPr>
               <a:pPr/>
-              <a:t>2015/2/16</a:t>
+              <a:t>2015/2/23</a:t>
             </a:fld>
             <a:endParaRPr kumimoji="1" lang="ja-JP" altLang="en-US">
               <a:solidFill>
@@ -2949,7 +2949,7 @@
                 </a:solidFill>
               </a:rPr>
               <a:pPr/>
-              <a:t>2015/2/16</a:t>
+              <a:t>2015/2/23</a:t>
             </a:fld>
             <a:endParaRPr kumimoji="1" lang="ja-JP" altLang="en-US">
               <a:solidFill>
@@ -3066,7 +3066,7 @@
                 </a:solidFill>
               </a:rPr>
               <a:pPr/>
-              <a:t>2015/2/16</a:t>
+              <a:t>2015/2/23</a:t>
             </a:fld>
             <a:endParaRPr kumimoji="1" lang="ja-JP" altLang="en-US">
               <a:solidFill>
@@ -3229,7 +3229,7 @@
                 </a:solidFill>
               </a:rPr>
               <a:pPr/>
-              <a:t>2015/2/16</a:t>
+              <a:t>2015/2/23</a:t>
             </a:fld>
             <a:endParaRPr kumimoji="1" lang="ja-JP" altLang="en-US">
               <a:solidFill>
@@ -3814,7 +3814,7 @@
                 </a:solidFill>
               </a:rPr>
               <a:pPr/>
-              <a:t>2015/2/16</a:t>
+              <a:t>2015/2/23</a:t>
             </a:fld>
             <a:endParaRPr kumimoji="1" lang="ja-JP" altLang="en-US">
               <a:solidFill>
@@ -4126,7 +4126,7 @@
                 </a:solidFill>
               </a:rPr>
               <a:pPr/>
-              <a:t>2015/2/16</a:t>
+              <a:t>2015/2/23</a:t>
             </a:fld>
             <a:endParaRPr kumimoji="1" lang="ja-JP" altLang="en-US">
               <a:solidFill>
@@ -9802,8 +9802,8 @@
         </p:blipFill>
         <p:spPr>
           <a:xfrm>
-            <a:off x="1043608" y="2595985"/>
-            <a:ext cx="1991619" cy="275810"/>
+            <a:off x="1043608" y="2595984"/>
+            <a:ext cx="2375407" cy="328959"/>
           </a:xfrm>
           <a:prstGeom prst="rect">
             <a:avLst/>
@@ -9836,8 +9836,8 @@
         </p:blipFill>
         <p:spPr>
           <a:xfrm>
-            <a:off x="1043929" y="3717032"/>
-            <a:ext cx="1904762" cy="251429"/>
+            <a:off x="1043928" y="3717032"/>
+            <a:ext cx="2182057" cy="288032"/>
           </a:xfrm>
           <a:prstGeom prst="rect">
             <a:avLst/>
@@ -9968,7 +9968,15 @@
             </a:r>
             <a:r>
               <a:rPr lang="en-US" altLang="ja-JP" dirty="0" smtClean="0"/>
-              <a:t>-0.4999998 (</a:t>
+              <a:t>-</a:t>
+            </a:r>
+            <a:r>
+              <a:rPr lang="en-US" altLang="ja-JP" dirty="0" smtClean="0"/>
+              <a:t>0.49999985 </a:t>
+            </a:r>
+            <a:r>
+              <a:rPr lang="en-US" altLang="ja-JP" dirty="0" smtClean="0"/>
+              <a:t>(</a:t>
             </a:r>
             <a:r>
               <a:rPr lang="en-US" altLang="ja-JP" dirty="0" err="1" smtClean="0"/>
@@ -10344,7 +10352,15 @@
             </a:r>
             <a:r>
               <a:rPr lang="en-US" altLang="ja-JP" dirty="0" smtClean="0"/>
-              <a:t>-0.9999991 (</a:t>
+              <a:t>-</a:t>
+            </a:r>
+            <a:r>
+              <a:rPr lang="en-US" altLang="ja-JP" dirty="0" smtClean="0"/>
+              <a:t>0.9999997 </a:t>
+            </a:r>
+            <a:r>
+              <a:rPr lang="en-US" altLang="ja-JP" dirty="0" smtClean="0"/>
+              <a:t>(</a:t>
             </a:r>
             <a:r>
               <a:rPr lang="en-US" altLang="ja-JP" dirty="0" err="1" smtClean="0"/>
@@ -10706,7 +10722,7 @@
       </p:sp>
       <p:pic>
         <p:nvPicPr>
-          <p:cNvPr id="7" name="コンテンツ プレースホルダー 6"/>
+          <p:cNvPr id="6" name="コンテンツ プレースホルダー 5"/>
           <p:cNvPicPr>
             <a:picLocks noGrp="1" noChangeAspect="1"/>
           </p:cNvPicPr>
@@ -12918,15 +12934,23 @@
             </a:r>
             <a:r>
               <a:rPr lang="ja-JP" altLang="en-US" dirty="0" smtClean="0"/>
-              <a:t>り、</a:t>
-            </a:r>
-            <a:r>
-              <a:rPr lang="ja-JP" altLang="en-US" dirty="0"/>
-              <a:t>また</a:t>
-            </a:r>
-            <a:r>
-              <a:rPr lang="ja-JP" altLang="en-US" dirty="0" smtClean="0"/>
-              <a:t>水素原子は球対称であるので、</a:t>
+              <a:t>り</a:t>
+            </a:r>
+            <a:r>
+              <a:rPr lang="ja-JP" altLang="en-US" dirty="0" smtClean="0"/>
+              <a:t>、</a:t>
+            </a:r>
+            <a:r>
+              <a:rPr lang="en-US" altLang="ja-JP" dirty="0" smtClean="0"/>
+              <a:t>V(r)</a:t>
+            </a:r>
+            <a:r>
+              <a:rPr lang="ja-JP" altLang="en-US" dirty="0" smtClean="0"/>
+              <a:t>は球</a:t>
+            </a:r>
+            <a:r>
+              <a:rPr lang="ja-JP" altLang="en-US" dirty="0" smtClean="0"/>
+              <a:t>対称であるので、</a:t>
             </a:r>
             <a:endParaRPr lang="en-US" altLang="ja-JP" dirty="0" smtClean="0"/>
           </a:p>

--- a/福井技術者の集い_その2_発表資料スライド.pptx
+++ b/福井技術者の集い_その2_発表資料スライド.pptx
@@ -5,7 +5,7 @@
     <p:sldMasterId id="2147483744" r:id="rId1"/>
   </p:sldMasterIdLst>
   <p:notesMasterIdLst>
-    <p:notesMasterId r:id="rId40"/>
+    <p:notesMasterId r:id="rId41"/>
   </p:notesMasterIdLst>
   <p:sldIdLst>
     <p:sldId id="258" r:id="rId2"/>
@@ -44,13 +44,14 @@
     <p:sldId id="465" r:id="rId35"/>
     <p:sldId id="468" r:id="rId36"/>
     <p:sldId id="466" r:id="rId37"/>
-    <p:sldId id="467" r:id="rId38"/>
-    <p:sldId id="427" r:id="rId39"/>
+    <p:sldId id="469" r:id="rId38"/>
+    <p:sldId id="467" r:id="rId39"/>
+    <p:sldId id="427" r:id="rId40"/>
   </p:sldIdLst>
   <p:sldSz cx="9144000" cy="6858000" type="screen4x3"/>
   <p:notesSz cx="6858000" cy="9144000"/>
   <p:custDataLst>
-    <p:tags r:id="rId41"/>
+    <p:tags r:id="rId42"/>
   </p:custDataLst>
   <p:defaultTextStyle>
     <a:defPPr>
@@ -232,7 +233,7 @@
           <a:p>
             <a:fld id="{132713B8-E49A-41D1-88B6-B310770581C8}" type="datetimeFigureOut">
               <a:rPr kumimoji="1" lang="ja-JP" altLang="en-US" smtClean="0"/>
-              <a:t>2015/2/23</a:t>
+              <a:t>2015/2/25</a:t>
             </a:fld>
             <a:endParaRPr kumimoji="1" lang="ja-JP" altLang="en-US"/>
           </a:p>
@@ -836,7 +837,7 @@
             <a:fld id="{C120A1B4-3412-4C96-ACAA-DBDB2A910CC9}" type="datetimeFigureOut">
               <a:rPr kumimoji="1" lang="ja-JP" altLang="en-US" smtClean="0"/>
               <a:pPr/>
-              <a:t>2015/2/23</a:t>
+              <a:t>2015/2/25</a:t>
             </a:fld>
             <a:endParaRPr kumimoji="1" lang="ja-JP" altLang="en-US"/>
           </a:p>
@@ -1082,7 +1083,7 @@
                 </a:solidFill>
               </a:rPr>
               <a:pPr/>
-              <a:t>2015/2/23</a:t>
+              <a:t>2015/2/25</a:t>
             </a:fld>
             <a:endParaRPr kumimoji="1" lang="ja-JP" altLang="en-US">
               <a:solidFill>
@@ -1318,7 +1319,7 @@
                 </a:solidFill>
               </a:rPr>
               <a:pPr/>
-              <a:t>2015/2/23</a:t>
+              <a:t>2015/2/25</a:t>
             </a:fld>
             <a:endParaRPr kumimoji="1" lang="ja-JP" altLang="en-US">
               <a:solidFill>
@@ -1612,7 +1613,7 @@
                 </a:solidFill>
               </a:rPr>
               <a:pPr/>
-              <a:t>2015/2/23</a:t>
+              <a:t>2015/2/25</a:t>
             </a:fld>
             <a:endParaRPr kumimoji="1" lang="ja-JP" altLang="en-US">
               <a:solidFill>
@@ -2091,7 +2092,7 @@
                 </a:solidFill>
               </a:rPr>
               <a:pPr/>
-              <a:t>2015/2/23</a:t>
+              <a:t>2015/2/25</a:t>
             </a:fld>
             <a:endParaRPr kumimoji="1" lang="ja-JP" altLang="en-US">
               <a:solidFill>
@@ -2416,7 +2417,7 @@
                 </a:solidFill>
               </a:rPr>
               <a:pPr/>
-              <a:t>2015/2/23</a:t>
+              <a:t>2015/2/25</a:t>
             </a:fld>
             <a:endParaRPr kumimoji="1" lang="ja-JP" altLang="en-US">
               <a:solidFill>
@@ -2735,7 +2736,7 @@
                 </a:solidFill>
               </a:rPr>
               <a:pPr/>
-              <a:t>2015/2/23</a:t>
+              <a:t>2015/2/25</a:t>
             </a:fld>
             <a:endParaRPr kumimoji="1" lang="ja-JP" altLang="en-US">
               <a:solidFill>
@@ -2949,7 +2950,7 @@
                 </a:solidFill>
               </a:rPr>
               <a:pPr/>
-              <a:t>2015/2/23</a:t>
+              <a:t>2015/2/25</a:t>
             </a:fld>
             <a:endParaRPr kumimoji="1" lang="ja-JP" altLang="en-US">
               <a:solidFill>
@@ -3066,7 +3067,7 @@
                 </a:solidFill>
               </a:rPr>
               <a:pPr/>
-              <a:t>2015/2/23</a:t>
+              <a:t>2015/2/25</a:t>
             </a:fld>
             <a:endParaRPr kumimoji="1" lang="ja-JP" altLang="en-US">
               <a:solidFill>
@@ -3229,7 +3230,7 @@
                 </a:solidFill>
               </a:rPr>
               <a:pPr/>
-              <a:t>2015/2/23</a:t>
+              <a:t>2015/2/25</a:t>
             </a:fld>
             <a:endParaRPr kumimoji="1" lang="ja-JP" altLang="en-US">
               <a:solidFill>
@@ -3814,7 +3815,7 @@
                 </a:solidFill>
               </a:rPr>
               <a:pPr/>
-              <a:t>2015/2/23</a:t>
+              <a:t>2015/2/25</a:t>
             </a:fld>
             <a:endParaRPr kumimoji="1" lang="ja-JP" altLang="en-US">
               <a:solidFill>
@@ -4126,7 +4127,7 @@
                 </a:solidFill>
               </a:rPr>
               <a:pPr/>
-              <a:t>2015/2/23</a:t>
+              <a:t>2015/2/25</a:t>
             </a:fld>
             <a:endParaRPr kumimoji="1" lang="ja-JP" altLang="en-US">
               <a:solidFill>
@@ -9968,15 +9969,7 @@
             </a:r>
             <a:r>
               <a:rPr lang="en-US" altLang="ja-JP" dirty="0" smtClean="0"/>
-              <a:t>-</a:t>
-            </a:r>
-            <a:r>
-              <a:rPr lang="en-US" altLang="ja-JP" dirty="0" smtClean="0"/>
-              <a:t>0.49999985 </a:t>
-            </a:r>
-            <a:r>
-              <a:rPr lang="en-US" altLang="ja-JP" dirty="0" smtClean="0"/>
-              <a:t>(</a:t>
+              <a:t>-0.49999985 (</a:t>
             </a:r>
             <a:r>
               <a:rPr lang="en-US" altLang="ja-JP" dirty="0" err="1" smtClean="0"/>
@@ -10352,15 +10345,7 @@
             </a:r>
             <a:r>
               <a:rPr lang="en-US" altLang="ja-JP" dirty="0" smtClean="0"/>
-              <a:t>-</a:t>
-            </a:r>
-            <a:r>
-              <a:rPr lang="en-US" altLang="ja-JP" dirty="0" smtClean="0"/>
-              <a:t>0.9999997 </a:t>
-            </a:r>
-            <a:r>
-              <a:rPr lang="en-US" altLang="ja-JP" dirty="0" smtClean="0"/>
-              <a:t>(</a:t>
+              <a:t>-0.9999997 (</a:t>
             </a:r>
             <a:r>
               <a:rPr lang="en-US" altLang="ja-JP" dirty="0" err="1" smtClean="0"/>
@@ -11117,7 +11102,7 @@
       </p:sp>
       <p:pic>
         <p:nvPicPr>
-          <p:cNvPr id="5" name="コンテンツ プレースホルダー 4"/>
+          <p:cNvPr id="4" name="コンテンツ プレースホルダー 3"/>
           <p:cNvPicPr>
             <a:picLocks noGrp="1" noChangeAspect="1"/>
           </p:cNvPicPr>
@@ -11126,7 +11111,7 @@
           </p:nvPr>
         </p:nvPicPr>
         <p:blipFill>
-          <a:blip r:embed="rId2">
+          <a:blip r:embed="rId2" cstate="print">
             <a:extLst>
               <a:ext uri="{28A0092B-C50C-407E-A947-70E740481C1C}">
                 <a14:useLocalDpi xmlns:a14="http://schemas.microsoft.com/office/drawing/2010/main" val="0"/>
@@ -11139,8 +11124,8 @@
         </p:blipFill>
         <p:spPr>
           <a:xfrm>
-            <a:off x="1289954" y="1600200"/>
-            <a:ext cx="6799041" cy="4495800"/>
+            <a:off x="1013182" y="1600200"/>
+            <a:ext cx="7352586" cy="4495800"/>
           </a:xfrm>
         </p:spPr>
       </p:pic>
@@ -11206,7 +11191,7 @@
       </p:sp>
       <p:pic>
         <p:nvPicPr>
-          <p:cNvPr id="4" name="コンテンツ プレースホルダー 3"/>
+          <p:cNvPr id="7" name="コンテンツ プレースホルダー 6"/>
           <p:cNvPicPr>
             <a:picLocks noGrp="1" noChangeAspect="1"/>
           </p:cNvPicPr>
@@ -11282,6 +11267,105 @@
         </p:nvSpPr>
         <p:spPr/>
         <p:txBody>
+          <a:bodyPr>
+            <a:normAutofit/>
+          </a:bodyPr>
+          <a:lstStyle/>
+          <a:p>
+            <a:r>
+              <a:rPr lang="en-US" altLang="ja-JP" dirty="0"/>
+              <a:t>He</a:t>
+            </a:r>
+            <a:r>
+              <a:rPr lang="ja-JP" altLang="en-US" dirty="0" smtClean="0"/>
+              <a:t>原子に対する</a:t>
+            </a:r>
+            <a:r>
+              <a:rPr kumimoji="1" lang="ja-JP" altLang="en-US" dirty="0" smtClean="0"/>
+              <a:t>実行画面（参考）</a:t>
+            </a:r>
+            <a:endParaRPr kumimoji="1" lang="ja-JP" altLang="en-US" dirty="0"/>
+          </a:p>
+        </p:txBody>
+      </p:sp>
+      <p:pic>
+        <p:nvPicPr>
+          <p:cNvPr id="4" name="コンテンツ プレースホルダー 3"/>
+          <p:cNvPicPr>
+            <a:picLocks noGrp="1" noChangeAspect="1"/>
+          </p:cNvPicPr>
+          <p:nvPr>
+            <p:ph sz="quarter" idx="1"/>
+          </p:nvPr>
+        </p:nvPicPr>
+        <p:blipFill>
+          <a:blip r:embed="rId2">
+            <a:extLst>
+              <a:ext uri="{28A0092B-C50C-407E-A947-70E740481C1C}">
+                <a14:useLocalDpi xmlns:a14="http://schemas.microsoft.com/office/drawing/2010/main" val="0"/>
+              </a:ext>
+            </a:extLst>
+          </a:blip>
+          <a:stretch>
+            <a:fillRect/>
+          </a:stretch>
+        </p:blipFill>
+        <p:spPr>
+          <a:xfrm>
+            <a:off x="1031875" y="1600200"/>
+            <a:ext cx="7315200" cy="4495800"/>
+          </a:xfrm>
+        </p:spPr>
+      </p:pic>
+    </p:spTree>
+    <p:extLst>
+      <p:ext uri="{BB962C8B-B14F-4D97-AF65-F5344CB8AC3E}">
+        <p14:creationId xmlns:p14="http://schemas.microsoft.com/office/powerpoint/2010/main" val="2825163568"/>
+      </p:ext>
+    </p:extLst>
+  </p:cSld>
+  <p:clrMapOvr>
+    <a:masterClrMapping/>
+  </p:clrMapOvr>
+  <p:timing>
+    <p:tnLst>
+      <p:par>
+        <p:cTn id="1" dur="indefinite" restart="never" nodeType="tmRoot"/>
+      </p:par>
+    </p:tnLst>
+  </p:timing>
+</p:sld>
+</file>
+
+<file path=ppt/slides/slide38.xml><?xml version="1.0" encoding="utf-8"?>
+<p:sld xmlns:a="http://schemas.openxmlformats.org/drawingml/2006/main" xmlns:r="http://schemas.openxmlformats.org/officeDocument/2006/relationships" xmlns:p="http://schemas.openxmlformats.org/presentationml/2006/main">
+  <p:cSld>
+    <p:spTree>
+      <p:nvGrpSpPr>
+        <p:cNvPr id="1" name=""/>
+        <p:cNvGrpSpPr/>
+        <p:nvPr/>
+      </p:nvGrpSpPr>
+      <p:grpSpPr>
+        <a:xfrm>
+          <a:off x="0" y="0"/>
+          <a:ext cx="0" cy="0"/>
+          <a:chOff x="0" y="0"/>
+          <a:chExt cx="0" cy="0"/>
+        </a:xfrm>
+      </p:grpSpPr>
+      <p:sp>
+        <p:nvSpPr>
+          <p:cNvPr id="2" name="タイトル 1"/>
+          <p:cNvSpPr>
+            <a:spLocks noGrp="1"/>
+          </p:cNvSpPr>
+          <p:nvPr>
+            <p:ph type="title"/>
+          </p:nvPr>
+        </p:nvSpPr>
+        <p:spPr/>
+        <p:txBody>
           <a:bodyPr/>
           <a:lstStyle/>
           <a:p>
@@ -11381,7 +11465,7 @@
 </p:sld>
 </file>
 
-<file path=ppt/slides/slide38.xml><?xml version="1.0" encoding="utf-8"?>
+<file path=ppt/slides/slide39.xml><?xml version="1.0" encoding="utf-8"?>
 <p:sld xmlns:a="http://schemas.openxmlformats.org/drawingml/2006/main" xmlns:r="http://schemas.openxmlformats.org/officeDocument/2006/relationships" xmlns:p="http://schemas.openxmlformats.org/presentationml/2006/main">
   <p:cSld>
     <p:spTree>
@@ -12934,11 +13018,7 @@
             </a:r>
             <a:r>
               <a:rPr lang="ja-JP" altLang="en-US" dirty="0" smtClean="0"/>
-              <a:t>り</a:t>
-            </a:r>
-            <a:r>
-              <a:rPr lang="ja-JP" altLang="en-US" dirty="0" smtClean="0"/>
-              <a:t>、</a:t>
+              <a:t>り、</a:t>
             </a:r>
             <a:r>
               <a:rPr lang="en-US" altLang="ja-JP" dirty="0" smtClean="0"/>
@@ -12946,11 +13026,7 @@
             </a:r>
             <a:r>
               <a:rPr lang="ja-JP" altLang="en-US" dirty="0" smtClean="0"/>
-              <a:t>は球</a:t>
-            </a:r>
-            <a:r>
-              <a:rPr lang="ja-JP" altLang="en-US" dirty="0" smtClean="0"/>
-              <a:t>対称であるので、</a:t>
+              <a:t>は球対称であるので、</a:t>
             </a:r>
             <a:endParaRPr lang="en-US" altLang="ja-JP" dirty="0" smtClean="0"/>
           </a:p>
